--- a/Findings_of_the_Analysis.pptx
+++ b/Findings_of_the_Analysis.pptx
@@ -14,6 +14,7 @@
     <p:sldId id="260" r:id="rId8"/>
     <p:sldId id="261" r:id="rId9"/>
     <p:sldId id="262" r:id="rId10"/>
+    <p:sldId id="267" r:id="rId11"/>
   </p:sldIdLst>
   <p:sldSz cx="12192000" cy="6858000"/>
   <p:notesSz cx="6858000" cy="9144000"/>
@@ -112,6 +113,11 @@
       </a:defRPr>
     </a:lvl9pPr>
   </p:defaultTextStyle>
+  <p:extLst>
+    <p:ext uri="{EFAFB233-063F-42B5-8137-9DF3F51BA10A}">
+      <p15:sldGuideLst xmlns:p15="http://schemas.microsoft.com/office/powerpoint/2012/main"/>
+    </p:ext>
+  </p:extLst>
 </p:presentation>
 </file>
 
@@ -3535,6 +3541,77 @@
 </p:sld>
 </file>
 
+<file path=ppt/slides/slide10.xml><?xml version="1.0" encoding="utf-8"?>
+<p:sld xmlns:a="http://schemas.openxmlformats.org/drawingml/2006/main" xmlns:r="http://schemas.openxmlformats.org/officeDocument/2006/relationships" xmlns:p="http://schemas.openxmlformats.org/presentationml/2006/main">
+  <p:cSld>
+    <p:spTree>
+      <p:nvGrpSpPr>
+        <p:cNvPr id="1" name=""/>
+        <p:cNvGrpSpPr/>
+        <p:nvPr/>
+      </p:nvGrpSpPr>
+      <p:grpSpPr>
+        <a:xfrm>
+          <a:off x="0" y="0"/>
+          <a:ext cx="0" cy="0"/>
+          <a:chOff x="0" y="0"/>
+          <a:chExt cx="0" cy="0"/>
+        </a:xfrm>
+      </p:grpSpPr>
+      <p:pic>
+        <p:nvPicPr>
+          <p:cNvPr id="4" name="Picture 3">
+            <a:extLst>
+              <a:ext uri="{FF2B5EF4-FFF2-40B4-BE49-F238E27FC236}">
+                <a16:creationId xmlns:a16="http://schemas.microsoft.com/office/drawing/2014/main" id="{1C74C418-595C-4B9E-FB01-3ABB3E61938E}"/>
+              </a:ext>
+            </a:extLst>
+          </p:cNvPr>
+          <p:cNvPicPr>
+            <a:picLocks noChangeAspect="1"/>
+          </p:cNvPicPr>
+          <p:nvPr/>
+        </p:nvPicPr>
+        <p:blipFill>
+          <a:blip r:embed="rId2">
+            <a:extLst>
+              <a:ext uri="{28A0092B-C50C-407E-A947-70E740481C1C}">
+                <a14:useLocalDpi xmlns:a14="http://schemas.microsoft.com/office/drawing/2010/main" val="0"/>
+              </a:ext>
+            </a:extLst>
+          </a:blip>
+          <a:stretch>
+            <a:fillRect/>
+          </a:stretch>
+        </p:blipFill>
+        <p:spPr>
+          <a:xfrm>
+            <a:off x="0" y="-13511"/>
+            <a:ext cx="12191999" cy="6885021"/>
+          </a:xfrm>
+          <a:prstGeom prst="rect">
+            <a:avLst/>
+          </a:prstGeom>
+          <a:ln>
+            <a:solidFill>
+              <a:schemeClr val="tx1"/>
+            </a:solidFill>
+          </a:ln>
+        </p:spPr>
+      </p:pic>
+    </p:spTree>
+    <p:extLst>
+      <p:ext uri="{BB962C8B-B14F-4D97-AF65-F5344CB8AC3E}">
+        <p14:creationId xmlns:p14="http://schemas.microsoft.com/office/powerpoint/2010/main" val="4231807475"/>
+      </p:ext>
+    </p:extLst>
+  </p:cSld>
+  <p:clrMapOvr>
+    <a:masterClrMapping/>
+  </p:clrMapOvr>
+</p:sld>
+</file>
+
 <file path=ppt/slides/slide2.xml><?xml version="1.0" encoding="utf-8"?>
 <p:sld xmlns:a="http://schemas.openxmlformats.org/drawingml/2006/main" xmlns:r="http://schemas.openxmlformats.org/officeDocument/2006/relationships" xmlns:p="http://schemas.openxmlformats.org/presentationml/2006/main">
   <p:cSld>
@@ -4783,7 +4860,7 @@
         </p:spPr>
         <p:txBody>
           <a:bodyPr>
-            <a:normAutofit/>
+            <a:normAutofit fontScale="90000"/>
           </a:bodyPr>
           <a:lstStyle/>
           <a:p>
@@ -4795,7 +4872,64 @@
                 <a:effectLst/>
                 <a:latin typeface="-apple-system"/>
               </a:rPr>
-              <a:t>Objective (4)-Time-Series Analysis and forecasting for loan Applications</a:t>
+              <a:t>Objective (4)- Time-Series Analysis, Forecasting, and Trend </a:t>
+            </a:r>
+            <a:r>
+              <a:rPr lang="en-US" sz="2800" b="1" dirty="0">
+                <a:solidFill>
+                  <a:srgbClr val="1D2125"/>
+                </a:solidFill>
+                <a:latin typeface="-apple-system"/>
+              </a:rPr>
+              <a:t>I</a:t>
+            </a:r>
+            <a:r>
+              <a:rPr lang="en-US" sz="2800" b="1" i="0" dirty="0">
+                <a:solidFill>
+                  <a:srgbClr val="1D2125"/>
+                </a:solidFill>
+                <a:effectLst/>
+                <a:latin typeface="-apple-system"/>
+              </a:rPr>
+              <a:t>dentification for Loan </a:t>
+            </a:r>
+            <a:r>
+              <a:rPr lang="en-US" sz="2800" b="1" dirty="0">
+                <a:solidFill>
+                  <a:srgbClr val="1D2125"/>
+                </a:solidFill>
+                <a:latin typeface="-apple-system"/>
+              </a:rPr>
+              <a:t>A</a:t>
+            </a:r>
+            <a:r>
+              <a:rPr lang="en-US" sz="2800" b="1" i="0" dirty="0">
+                <a:solidFill>
+                  <a:srgbClr val="1D2125"/>
+                </a:solidFill>
+                <a:effectLst/>
+                <a:latin typeface="-apple-system"/>
+              </a:rPr>
+              <a:t>pplications across the Loan </a:t>
+            </a:r>
+            <a:r>
+              <a:rPr lang="en-US" sz="2800" b="1" dirty="0">
+                <a:solidFill>
+                  <a:srgbClr val="1D2125"/>
+                </a:solidFill>
+                <a:latin typeface="-apple-system"/>
+              </a:rPr>
+              <a:t>T</a:t>
+            </a:r>
+            <a:r>
+              <a:rPr lang="en-US" sz="2800" b="1" i="0" dirty="0">
+                <a:solidFill>
+                  <a:srgbClr val="1D2125"/>
+                </a:solidFill>
+                <a:effectLst/>
+                <a:latin typeface="-apple-system"/>
+              </a:rPr>
+              <a:t>ypes</a:t>
             </a:r>
             <a:endParaRPr lang="en-IN" sz="2800" dirty="0"/>
           </a:p>
@@ -5280,7 +5414,7 @@
             </a:r>
             <a:r>
               <a:rPr lang="en-US" sz="2000" b="1" dirty="0"/>
-              <a:t>out of the given 6,099 loans a total of 4,082 loan accounts have became NPAs </a:t>
+              <a:t>out of the given 6,099 loans a total of 4,082 loan accounts are expected to become NPAs </a:t>
             </a:r>
             <a:r>
               <a:rPr lang="en-US" sz="2000" dirty="0"/>

--- a/Findings_of_the_Analysis.pptx
+++ b/Findings_of_the_Analysis.pptx
@@ -5,16 +5,17 @@
     <p:sldMasterId id="2147483648" r:id="rId1"/>
   </p:sldMasterIdLst>
   <p:sldIdLst>
-    <p:sldId id="264" r:id="rId2"/>
-    <p:sldId id="266" r:id="rId3"/>
-    <p:sldId id="256" r:id="rId4"/>
-    <p:sldId id="258" r:id="rId5"/>
-    <p:sldId id="257" r:id="rId6"/>
-    <p:sldId id="259" r:id="rId7"/>
-    <p:sldId id="260" r:id="rId8"/>
-    <p:sldId id="261" r:id="rId9"/>
-    <p:sldId id="262" r:id="rId10"/>
-    <p:sldId id="267" r:id="rId11"/>
+    <p:sldId id="269" r:id="rId2"/>
+    <p:sldId id="264" r:id="rId3"/>
+    <p:sldId id="266" r:id="rId4"/>
+    <p:sldId id="256" r:id="rId5"/>
+    <p:sldId id="258" r:id="rId6"/>
+    <p:sldId id="257" r:id="rId7"/>
+    <p:sldId id="259" r:id="rId8"/>
+    <p:sldId id="260" r:id="rId9"/>
+    <p:sldId id="261" r:id="rId10"/>
+    <p:sldId id="262" r:id="rId11"/>
+    <p:sldId id="267" r:id="rId12"/>
   </p:sldIdLst>
   <p:sldSz cx="12192000" cy="6858000"/>
   <p:notesSz cx="6858000" cy="9144000"/>
@@ -270,7 +271,7 @@
           <a:p>
             <a:fld id="{B2FDD87D-2482-415E-B691-72A0CA09ACF7}" type="datetimeFigureOut">
               <a:rPr lang="en-IN" smtClean="0"/>
-              <a:t>27-08-2024</a:t>
+              <a:t>16-09-2024</a:t>
             </a:fld>
             <a:endParaRPr lang="en-IN"/>
           </a:p>
@@ -470,7 +471,7 @@
           <a:p>
             <a:fld id="{B2FDD87D-2482-415E-B691-72A0CA09ACF7}" type="datetimeFigureOut">
               <a:rPr lang="en-IN" smtClean="0"/>
-              <a:t>27-08-2024</a:t>
+              <a:t>16-09-2024</a:t>
             </a:fld>
             <a:endParaRPr lang="en-IN"/>
           </a:p>
@@ -680,7 +681,7 @@
           <a:p>
             <a:fld id="{B2FDD87D-2482-415E-B691-72A0CA09ACF7}" type="datetimeFigureOut">
               <a:rPr lang="en-IN" smtClean="0"/>
-              <a:t>27-08-2024</a:t>
+              <a:t>16-09-2024</a:t>
             </a:fld>
             <a:endParaRPr lang="en-IN"/>
           </a:p>
@@ -880,7 +881,7 @@
           <a:p>
             <a:fld id="{B2FDD87D-2482-415E-B691-72A0CA09ACF7}" type="datetimeFigureOut">
               <a:rPr lang="en-IN" smtClean="0"/>
-              <a:t>27-08-2024</a:t>
+              <a:t>16-09-2024</a:t>
             </a:fld>
             <a:endParaRPr lang="en-IN"/>
           </a:p>
@@ -1156,7 +1157,7 @@
           <a:p>
             <a:fld id="{B2FDD87D-2482-415E-B691-72A0CA09ACF7}" type="datetimeFigureOut">
               <a:rPr lang="en-IN" smtClean="0"/>
-              <a:t>27-08-2024</a:t>
+              <a:t>16-09-2024</a:t>
             </a:fld>
             <a:endParaRPr lang="en-IN"/>
           </a:p>
@@ -1424,7 +1425,7 @@
           <a:p>
             <a:fld id="{B2FDD87D-2482-415E-B691-72A0CA09ACF7}" type="datetimeFigureOut">
               <a:rPr lang="en-IN" smtClean="0"/>
-              <a:t>27-08-2024</a:t>
+              <a:t>16-09-2024</a:t>
             </a:fld>
             <a:endParaRPr lang="en-IN"/>
           </a:p>
@@ -1839,7 +1840,7 @@
           <a:p>
             <a:fld id="{B2FDD87D-2482-415E-B691-72A0CA09ACF7}" type="datetimeFigureOut">
               <a:rPr lang="en-IN" smtClean="0"/>
-              <a:t>27-08-2024</a:t>
+              <a:t>16-09-2024</a:t>
             </a:fld>
             <a:endParaRPr lang="en-IN"/>
           </a:p>
@@ -1981,7 +1982,7 @@
           <a:p>
             <a:fld id="{B2FDD87D-2482-415E-B691-72A0CA09ACF7}" type="datetimeFigureOut">
               <a:rPr lang="en-IN" smtClean="0"/>
-              <a:t>27-08-2024</a:t>
+              <a:t>16-09-2024</a:t>
             </a:fld>
             <a:endParaRPr lang="en-IN"/>
           </a:p>
@@ -2094,7 +2095,7 @@
           <a:p>
             <a:fld id="{B2FDD87D-2482-415E-B691-72A0CA09ACF7}" type="datetimeFigureOut">
               <a:rPr lang="en-IN" smtClean="0"/>
-              <a:t>27-08-2024</a:t>
+              <a:t>16-09-2024</a:t>
             </a:fld>
             <a:endParaRPr lang="en-IN"/>
           </a:p>
@@ -2407,7 +2408,7 @@
           <a:p>
             <a:fld id="{B2FDD87D-2482-415E-B691-72A0CA09ACF7}" type="datetimeFigureOut">
               <a:rPr lang="en-IN" smtClean="0"/>
-              <a:t>27-08-2024</a:t>
+              <a:t>16-09-2024</a:t>
             </a:fld>
             <a:endParaRPr lang="en-IN"/>
           </a:p>
@@ -2696,7 +2697,7 @@
           <a:p>
             <a:fld id="{B2FDD87D-2482-415E-B691-72A0CA09ACF7}" type="datetimeFigureOut">
               <a:rPr lang="en-IN" smtClean="0"/>
-              <a:t>27-08-2024</a:t>
+              <a:t>16-09-2024</a:t>
             </a:fld>
             <a:endParaRPr lang="en-IN"/>
           </a:p>
@@ -2939,7 +2940,7 @@
           <a:p>
             <a:fld id="{B2FDD87D-2482-415E-B691-72A0CA09ACF7}" type="datetimeFigureOut">
               <a:rPr lang="en-IN" smtClean="0"/>
-              <a:t>27-08-2024</a:t>
+              <a:t>16-09-2024</a:t>
             </a:fld>
             <a:endParaRPr lang="en-IN"/>
           </a:p>
@@ -3361,7 +3362,7 @@
           <p:cNvPr id="2" name="Title 1">
             <a:extLst>
               <a:ext uri="{FF2B5EF4-FFF2-40B4-BE49-F238E27FC236}">
-                <a16:creationId xmlns:a16="http://schemas.microsoft.com/office/drawing/2014/main" id="{0D327347-AD00-29C8-73F2-51A0085FEF2B}"/>
+                <a16:creationId xmlns:a16="http://schemas.microsoft.com/office/drawing/2014/main" id="{B53DFC62-D7D7-94D4-3E47-4A30E3041ECC}"/>
               </a:ext>
             </a:extLst>
           </p:cNvPr>
@@ -3374,8 +3375,94 @@
         </p:nvSpPr>
         <p:spPr>
           <a:xfrm>
-            <a:off x="-1" y="1"/>
-            <a:ext cx="12192001" cy="867266"/>
+            <a:off x="762000" y="1896522"/>
+            <a:ext cx="10668000" cy="3064955"/>
+          </a:xfrm>
+          <a:solidFill>
+            <a:schemeClr val="bg1"/>
+          </a:solidFill>
+          <a:ln>
+            <a:solidFill>
+              <a:schemeClr val="tx1"/>
+            </a:solidFill>
+          </a:ln>
+        </p:spPr>
+        <p:txBody>
+          <a:bodyPr>
+            <a:normAutofit/>
+          </a:bodyPr>
+          <a:lstStyle/>
+          <a:p>
+            <a:r>
+              <a:rPr lang="en-US" sz="4900" b="1" dirty="0">
+                <a:ln>
+                  <a:solidFill>
+                    <a:sysClr val="windowText" lastClr="000000"/>
+                  </a:solidFill>
+                </a:ln>
+              </a:rPr>
+              <a:t>Title-Analysis of Fincorp Lending Data to Evaluate the Lending Process/Fraud Detection and Improve it's Market Offerings.</a:t>
+            </a:r>
+            <a:endParaRPr lang="en-IN" b="1" dirty="0">
+              <a:ln>
+                <a:solidFill>
+                  <a:sysClr val="windowText" lastClr="000000"/>
+                </a:solidFill>
+              </a:ln>
+            </a:endParaRPr>
+          </a:p>
+        </p:txBody>
+      </p:sp>
+    </p:spTree>
+    <p:extLst>
+      <p:ext uri="{BB962C8B-B14F-4D97-AF65-F5344CB8AC3E}">
+        <p14:creationId xmlns:p14="http://schemas.microsoft.com/office/powerpoint/2010/main" val="2235393742"/>
+      </p:ext>
+    </p:extLst>
+  </p:cSld>
+  <p:clrMapOvr>
+    <a:masterClrMapping/>
+  </p:clrMapOvr>
+</p:sld>
+</file>
+
+<file path=ppt/slides/slide10.xml><?xml version="1.0" encoding="utf-8"?>
+<p:sld xmlns:a="http://schemas.openxmlformats.org/drawingml/2006/main" xmlns:r="http://schemas.openxmlformats.org/officeDocument/2006/relationships" xmlns:p="http://schemas.openxmlformats.org/presentationml/2006/main">
+  <p:cSld>
+    <p:spTree>
+      <p:nvGrpSpPr>
+        <p:cNvPr id="1" name=""/>
+        <p:cNvGrpSpPr/>
+        <p:nvPr/>
+      </p:nvGrpSpPr>
+      <p:grpSpPr>
+        <a:xfrm>
+          <a:off x="0" y="0"/>
+          <a:ext cx="0" cy="0"/>
+          <a:chOff x="0" y="0"/>
+          <a:chExt cx="0" cy="0"/>
+        </a:xfrm>
+      </p:grpSpPr>
+      <p:sp>
+        <p:nvSpPr>
+          <p:cNvPr id="2" name="Title 1">
+            <a:extLst>
+              <a:ext uri="{FF2B5EF4-FFF2-40B4-BE49-F238E27FC236}">
+                <a16:creationId xmlns:a16="http://schemas.microsoft.com/office/drawing/2014/main" id="{99C6D8C6-EFC2-7CBB-7F2D-D54474F09FE6}"/>
+              </a:ext>
+            </a:extLst>
+          </p:cNvPr>
+          <p:cNvSpPr>
+            <a:spLocks noGrp="1"/>
+          </p:cNvSpPr>
+          <p:nvPr>
+            <p:ph type="title"/>
+          </p:nvPr>
+        </p:nvSpPr>
+        <p:spPr>
+          <a:xfrm>
+            <a:off x="0" y="125565"/>
+            <a:ext cx="12192000" cy="650448"/>
           </a:xfrm>
           <a:ln>
             <a:solidFill>
@@ -3389,13 +3476,15 @@
           </a:bodyPr>
           <a:lstStyle/>
           <a:p>
-            <a:pPr algn="l"/>
             <a:r>
               <a:rPr lang="en-US" sz="2800" b="1" i="0" dirty="0">
+                <a:solidFill>
+                  <a:srgbClr val="1D2125"/>
+                </a:solidFill>
                 <a:effectLst/>
                 <a:latin typeface="-apple-system"/>
               </a:rPr>
-              <a:t>Objective(1)-Perform basic data cleaning, standardize data formats using Power Query, calculate total loans, average interest rates, basic loan statistics using DAX</a:t>
+              <a:t>Objective (5)-Understanding the NPAs and Fraud Detection</a:t>
             </a:r>
             <a:endParaRPr lang="en-IN" sz="2800" dirty="0"/>
           </a:p>
@@ -3403,10 +3492,10 @@
       </p:sp>
       <p:sp>
         <p:nvSpPr>
-          <p:cNvPr id="4" name="TextBox 3">
-            <a:extLst>
-              <a:ext uri="{FF2B5EF4-FFF2-40B4-BE49-F238E27FC236}">
-                <a16:creationId xmlns:a16="http://schemas.microsoft.com/office/drawing/2014/main" id="{F6577EF4-0D3F-71C6-7B61-617EB6DD66F8}"/>
+          <p:cNvPr id="3" name="TextBox 2">
+            <a:extLst>
+              <a:ext uri="{FF2B5EF4-FFF2-40B4-BE49-F238E27FC236}">
+                <a16:creationId xmlns:a16="http://schemas.microsoft.com/office/drawing/2014/main" id="{002E2AA9-538E-1CCF-5703-DD4B60E65FA4}"/>
               </a:ext>
             </a:extLst>
           </p:cNvPr>
@@ -3415,8 +3504,8 @@
         </p:nvSpPr>
         <p:spPr>
           <a:xfrm>
-            <a:off x="109978" y="1064309"/>
-            <a:ext cx="11972041" cy="5632311"/>
+            <a:off x="480768" y="892647"/>
+            <a:ext cx="11434713" cy="5940088"/>
           </a:xfrm>
           <a:prstGeom prst="rect">
             <a:avLst/>
@@ -3434,104 +3523,208 @@
           </a:bodyPr>
           <a:lstStyle/>
           <a:p>
-            <a:r>
-              <a:rPr lang="en-US" dirty="0"/>
-              <a:t>A. Most of the business is coming from the education loan segment, followed by business segment. </a:t>
-            </a:r>
-          </a:p>
-          <a:p>
-            <a:endParaRPr lang="en-US" dirty="0"/>
-          </a:p>
-          <a:p>
-            <a:r>
-              <a:rPr lang="en-US" dirty="0"/>
-              <a:t>B. Firm is accepting loan applications across the region, </a:t>
-            </a:r>
-            <a:r>
-              <a:rPr lang="en-US" dirty="0" err="1"/>
-              <a:t>age_group</a:t>
-            </a:r>
-            <a:r>
-              <a:rPr lang="en-US" dirty="0"/>
-              <a:t>, and profession of the applicant. </a:t>
-            </a:r>
-          </a:p>
-          <a:p>
-            <a:endParaRPr lang="en-US" dirty="0"/>
-          </a:p>
-          <a:p>
-            <a:r>
-              <a:rPr lang="en-US" dirty="0"/>
-              <a:t>C. As close to 50.0% of the loan applications have a history of (loan </a:t>
-            </a:r>
-            <a:r>
-              <a:rPr lang="en-US" dirty="0" err="1"/>
-              <a:t>default+timely</a:t>
-            </a:r>
-            <a:r>
-              <a:rPr lang="en-US" dirty="0"/>
-              <a:t> non payment of loans), and close to 66.0% of the loan applicants were not able to pay their last loan EMIs, application scrutiny needs to be made rigorously. </a:t>
-            </a:r>
-          </a:p>
-          <a:p>
-            <a:endParaRPr lang="en-US" dirty="0"/>
-          </a:p>
-          <a:p>
-            <a:r>
-              <a:rPr lang="en-US" dirty="0"/>
-              <a:t>D. Around 33.3% of borrowers are living in own house, these applications can be considered on a priority basis for fast loan disbursal. (Strong collateral availability)</a:t>
-            </a:r>
-          </a:p>
-          <a:p>
-            <a:endParaRPr lang="en-US" dirty="0"/>
-          </a:p>
-          <a:p>
-            <a:r>
-              <a:rPr lang="en-US" dirty="0"/>
-              <a:t>E. The firm is a short term financial lender, and average time frame </a:t>
-            </a:r>
-            <a:r>
-              <a:rPr lang="en-US" dirty="0" err="1"/>
-              <a:t>ofr</a:t>
-            </a:r>
-            <a:r>
-              <a:rPr lang="en-US" dirty="0"/>
-              <a:t> the loan repayment remains 3 years. </a:t>
-            </a:r>
-          </a:p>
-          <a:p>
-            <a:endParaRPr lang="en-US" dirty="0"/>
-          </a:p>
-          <a:p>
-            <a:r>
-              <a:rPr lang="en-US" dirty="0"/>
-              <a:t>F. The credit score of the applicant remained at 573.0, which is a concern for the firm. Hence, applicants with low credit score should be given more time for approval.</a:t>
-            </a:r>
-          </a:p>
-          <a:p>
-            <a:endParaRPr lang="en-US" dirty="0"/>
-          </a:p>
-          <a:p>
-            <a:r>
-              <a:rPr lang="en-US" dirty="0"/>
-              <a:t>G. A total of 1,00,000 loan applications are processed by the firm over 6 years of time, making it a very high application processor. </a:t>
-            </a:r>
-          </a:p>
-          <a:p>
-            <a:endParaRPr lang="en-US" dirty="0"/>
-          </a:p>
-          <a:p>
-            <a:r>
-              <a:rPr lang="en-US" dirty="0"/>
-              <a:t>H. As the duration of loan repayment is very low, disbursement 8.0 Billion of loans, likely to represent speedy operationability of the firm. </a:t>
-            </a:r>
+            <a:pPr marL="342900" indent="-342900">
+              <a:buAutoNum type="alphaUcPeriod"/>
+            </a:pPr>
+            <a:r>
+              <a:rPr lang="en-US" sz="2000" dirty="0"/>
+              <a:t>On an average the </a:t>
+            </a:r>
+            <a:r>
+              <a:rPr lang="en-US" sz="2000" b="1" dirty="0"/>
+              <a:t>firm approved 4 loans to a single borrower</a:t>
+            </a:r>
+            <a:r>
+              <a:rPr lang="en-US" sz="2000" dirty="0"/>
+              <a:t>, which is likely to create a high NPA situation over the long term.</a:t>
+            </a:r>
+          </a:p>
+          <a:p>
+            <a:pPr marL="342900" indent="-342900">
+              <a:buAutoNum type="alphaUcPeriod"/>
+            </a:pPr>
+            <a:r>
+              <a:rPr lang="en-US" sz="2000" dirty="0"/>
+              <a:t>There are a total of </a:t>
+            </a:r>
+            <a:r>
+              <a:rPr lang="en-US" sz="2000" b="1" dirty="0"/>
+              <a:t>6,729 borrowers </a:t>
+            </a:r>
+            <a:r>
+              <a:rPr lang="en-US" sz="2000" dirty="0"/>
+              <a:t>who received approximately </a:t>
+            </a:r>
+            <a:r>
+              <a:rPr lang="en-US" sz="2000" b="1" dirty="0"/>
+              <a:t>2 loan </a:t>
+            </a:r>
+            <a:r>
+              <a:rPr lang="en-US" sz="2000" dirty="0"/>
+              <a:t>approvals with </a:t>
+            </a:r>
+            <a:r>
+              <a:rPr lang="en-US" sz="2000" b="1" dirty="0" err="1"/>
+              <a:t>credit_score</a:t>
+            </a:r>
+            <a:r>
+              <a:rPr lang="en-US" sz="2000" b="1" dirty="0"/>
+              <a:t> </a:t>
+            </a:r>
+            <a:r>
+              <a:rPr lang="en-US" sz="2000" dirty="0"/>
+              <a:t>classified </a:t>
+            </a:r>
+            <a:r>
+              <a:rPr lang="en-US" sz="2000" b="1" dirty="0"/>
+              <a:t>as bad (&lt;400) </a:t>
+            </a:r>
+            <a:r>
+              <a:rPr lang="en-US" sz="2000" dirty="0"/>
+              <a:t>and </a:t>
+            </a:r>
+            <a:r>
+              <a:rPr lang="en-US" sz="2000" b="1" dirty="0"/>
+              <a:t>worst(&lt;200), </a:t>
+            </a:r>
+            <a:r>
+              <a:rPr lang="en-US" sz="2000" dirty="0"/>
+              <a:t>thereby creating a high risk scenario.</a:t>
+            </a:r>
+          </a:p>
+          <a:p>
+            <a:pPr marL="342900" indent="-342900">
+              <a:buAutoNum type="alphaUcPeriod"/>
+            </a:pPr>
+            <a:r>
+              <a:rPr lang="en-US" sz="2000" dirty="0"/>
+              <a:t>Furthermore, out of the above 6,729 borrowers </a:t>
+            </a:r>
+            <a:r>
+              <a:rPr lang="en-US" sz="2000" b="1" dirty="0"/>
+              <a:t>4,471 borrowers are considered as defaulters</a:t>
+            </a:r>
+            <a:r>
+              <a:rPr lang="en-US" sz="2000" dirty="0"/>
+              <a:t>, that have either defaulted the previous loans and never settled the loan amount. The </a:t>
+            </a:r>
+            <a:r>
+              <a:rPr lang="en-US" sz="2000" b="1" dirty="0"/>
+              <a:t>firm gave around 6,099 loans to these 4,471 borrows </a:t>
+            </a:r>
+            <a:r>
+              <a:rPr lang="en-US" sz="2000" dirty="0"/>
+              <a:t>making it very high risk business. </a:t>
+            </a:r>
+          </a:p>
+          <a:p>
+            <a:pPr marL="342900" indent="-342900">
+              <a:buAutoNum type="alphaUcPeriod"/>
+            </a:pPr>
+            <a:r>
+              <a:rPr lang="en-US" sz="2000" dirty="0"/>
+              <a:t>In addition to that, this high risk 4,471 borrows are distributed uniformly across the age categories and loan types. </a:t>
+            </a:r>
+          </a:p>
+          <a:p>
+            <a:pPr marL="342900" indent="-342900">
+              <a:buAutoNum type="alphaUcPeriod"/>
+            </a:pPr>
+            <a:r>
+              <a:rPr lang="en-US" sz="2000" dirty="0"/>
+              <a:t>The </a:t>
+            </a:r>
+            <a:r>
+              <a:rPr lang="en-US" sz="2000" b="1" dirty="0"/>
+              <a:t>average monthly income </a:t>
+            </a:r>
+            <a:r>
+              <a:rPr lang="en-US" sz="2000" dirty="0"/>
+              <a:t>of these 4,471 borrowers remained as </a:t>
+            </a:r>
+            <a:r>
+              <a:rPr lang="en-US" sz="2000" b="1" dirty="0"/>
+              <a:t>9,0150.0 Rs</a:t>
+            </a:r>
+            <a:r>
+              <a:rPr lang="en-US" sz="2000" dirty="0"/>
+              <a:t> and the </a:t>
+            </a:r>
+            <a:r>
+              <a:rPr lang="en-US" sz="2000" b="1" dirty="0"/>
+              <a:t>monthly installment </a:t>
+            </a:r>
+            <a:r>
+              <a:rPr lang="en-US" sz="2000" dirty="0"/>
+              <a:t>they require to pay for all the loans combined remains at </a:t>
+            </a:r>
+            <a:r>
+              <a:rPr lang="en-US" sz="2000" b="1" dirty="0"/>
+              <a:t>9,120.0 Rs</a:t>
+            </a:r>
+            <a:r>
+              <a:rPr lang="en-US" sz="2000" dirty="0"/>
+              <a:t> Due to which, the </a:t>
+            </a:r>
+            <a:r>
+              <a:rPr lang="en-US" sz="2000" b="1" dirty="0"/>
+              <a:t>monthly outstanding loan installment amount remained at -664.8 Rs. on an average. </a:t>
+            </a:r>
+            <a:r>
+              <a:rPr lang="en-US" sz="2000" dirty="0"/>
+              <a:t>This indicates a likeliness of fraud in the firm. </a:t>
+            </a:r>
+          </a:p>
+          <a:p>
+            <a:pPr marL="342900" indent="-342900">
+              <a:buAutoNum type="alphaUcPeriod"/>
+            </a:pPr>
+            <a:r>
+              <a:rPr lang="en-US" sz="2000" dirty="0"/>
+              <a:t>With such scenario, the chance of these 4,471 borrowers with 6,099 loan account is likely to become NPAs.</a:t>
+            </a:r>
+          </a:p>
+          <a:p>
+            <a:pPr marL="342900" indent="-342900">
+              <a:buAutoNum type="alphaUcPeriod"/>
+            </a:pPr>
+            <a:r>
+              <a:rPr lang="en-US" sz="2000" dirty="0"/>
+              <a:t>Finally, </a:t>
+            </a:r>
+            <a:r>
+              <a:rPr lang="en-US" sz="2000" b="1" dirty="0"/>
+              <a:t>out of the given 6,099 loans a total of 4,082 loan accounts are expected to become NPAs </a:t>
+            </a:r>
+            <a:r>
+              <a:rPr lang="en-US" sz="2000" dirty="0"/>
+              <a:t>and 3,295 borrowers holding these loan accounts have not paid monthly installment.</a:t>
+            </a:r>
+          </a:p>
+          <a:p>
+            <a:pPr marL="342900" indent="-342900">
+              <a:buAutoNum type="alphaUcPeriod"/>
+            </a:pPr>
+            <a:r>
+              <a:rPr lang="en-US" sz="2000" dirty="0"/>
+              <a:t>As such high discrepancy at loan approval stage is not acceptable in financial sector, there is a </a:t>
+            </a:r>
+            <a:r>
+              <a:rPr lang="en-US" sz="2000" b="1" dirty="0"/>
+              <a:t>need to scrutinize the loan approval process of 3,295 borrowers </a:t>
+            </a:r>
+            <a:r>
+              <a:rPr lang="en-US" sz="2000" dirty="0"/>
+              <a:t>to understand the extent of fraud.</a:t>
+            </a:r>
+            <a:endParaRPr lang="en-IN" sz="2000" dirty="0"/>
           </a:p>
         </p:txBody>
       </p:sp>
     </p:spTree>
     <p:extLst>
       <p:ext uri="{BB962C8B-B14F-4D97-AF65-F5344CB8AC3E}">
-        <p14:creationId xmlns:p14="http://schemas.microsoft.com/office/powerpoint/2010/main" val="2107558140"/>
+        <p14:creationId xmlns:p14="http://schemas.microsoft.com/office/powerpoint/2010/main" val="3044107206"/>
       </p:ext>
     </p:extLst>
   </p:cSld>
@@ -3541,7 +3734,7 @@
 </p:sld>
 </file>
 
-<file path=ppt/slides/slide10.xml><?xml version="1.0" encoding="utf-8"?>
+<file path=ppt/slides/slide11.xml><?xml version="1.0" encoding="utf-8"?>
 <p:sld xmlns:a="http://schemas.openxmlformats.org/drawingml/2006/main" xmlns:r="http://schemas.openxmlformats.org/officeDocument/2006/relationships" xmlns:p="http://schemas.openxmlformats.org/presentationml/2006/main">
   <p:cSld>
     <p:spTree>
@@ -3629,6 +3822,208 @@
           <a:chExt cx="0" cy="0"/>
         </a:xfrm>
       </p:grpSpPr>
+      <p:sp>
+        <p:nvSpPr>
+          <p:cNvPr id="2" name="Title 1">
+            <a:extLst>
+              <a:ext uri="{FF2B5EF4-FFF2-40B4-BE49-F238E27FC236}">
+                <a16:creationId xmlns:a16="http://schemas.microsoft.com/office/drawing/2014/main" id="{0D327347-AD00-29C8-73F2-51A0085FEF2B}"/>
+              </a:ext>
+            </a:extLst>
+          </p:cNvPr>
+          <p:cNvSpPr>
+            <a:spLocks noGrp="1"/>
+          </p:cNvSpPr>
+          <p:nvPr>
+            <p:ph type="ctrTitle"/>
+          </p:nvPr>
+        </p:nvSpPr>
+        <p:spPr>
+          <a:xfrm>
+            <a:off x="-1" y="1"/>
+            <a:ext cx="12192001" cy="867266"/>
+          </a:xfrm>
+          <a:ln>
+            <a:solidFill>
+              <a:schemeClr val="tx1"/>
+            </a:solidFill>
+          </a:ln>
+        </p:spPr>
+        <p:txBody>
+          <a:bodyPr>
+            <a:normAutofit/>
+          </a:bodyPr>
+          <a:lstStyle/>
+          <a:p>
+            <a:pPr algn="l"/>
+            <a:r>
+              <a:rPr lang="en-US" sz="2800" b="1" i="0" dirty="0">
+                <a:effectLst/>
+                <a:latin typeface="-apple-system"/>
+              </a:rPr>
+              <a:t>Objective(1)-Perform basic data cleaning, standardize data formats using Power Query, calculate total loans, average interest rates, basic loan statistics using DAX</a:t>
+            </a:r>
+            <a:endParaRPr lang="en-IN" sz="2800" dirty="0"/>
+          </a:p>
+        </p:txBody>
+      </p:sp>
+      <p:sp>
+        <p:nvSpPr>
+          <p:cNvPr id="4" name="TextBox 3">
+            <a:extLst>
+              <a:ext uri="{FF2B5EF4-FFF2-40B4-BE49-F238E27FC236}">
+                <a16:creationId xmlns:a16="http://schemas.microsoft.com/office/drawing/2014/main" id="{F6577EF4-0D3F-71C6-7B61-617EB6DD66F8}"/>
+              </a:ext>
+            </a:extLst>
+          </p:cNvPr>
+          <p:cNvSpPr txBox="1"/>
+          <p:nvPr/>
+        </p:nvSpPr>
+        <p:spPr>
+          <a:xfrm>
+            <a:off x="109978" y="1064309"/>
+            <a:ext cx="11972041" cy="5632311"/>
+          </a:xfrm>
+          <a:prstGeom prst="rect">
+            <a:avLst/>
+          </a:prstGeom>
+          <a:noFill/>
+          <a:ln>
+            <a:solidFill>
+              <a:schemeClr val="tx1"/>
+            </a:solidFill>
+          </a:ln>
+        </p:spPr>
+        <p:txBody>
+          <a:bodyPr wrap="square" rtlCol="0">
+            <a:spAutoFit/>
+          </a:bodyPr>
+          <a:lstStyle/>
+          <a:p>
+            <a:r>
+              <a:rPr lang="en-US" dirty="0"/>
+              <a:t>A. Most of the business is coming from the education loan segment, followed by business segment. </a:t>
+            </a:r>
+          </a:p>
+          <a:p>
+            <a:endParaRPr lang="en-US" dirty="0"/>
+          </a:p>
+          <a:p>
+            <a:r>
+              <a:rPr lang="en-US" dirty="0"/>
+              <a:t>B. Firm is accepting loan applications across the region, </a:t>
+            </a:r>
+            <a:r>
+              <a:rPr lang="en-US" dirty="0" err="1"/>
+              <a:t>age_group</a:t>
+            </a:r>
+            <a:r>
+              <a:rPr lang="en-US" dirty="0"/>
+              <a:t>, and profession of the applicant. </a:t>
+            </a:r>
+          </a:p>
+          <a:p>
+            <a:endParaRPr lang="en-US" dirty="0"/>
+          </a:p>
+          <a:p>
+            <a:r>
+              <a:rPr lang="en-US" dirty="0"/>
+              <a:t>C. As close to 50.0% of the loan applications have a history of (loan </a:t>
+            </a:r>
+            <a:r>
+              <a:rPr lang="en-US" dirty="0" err="1"/>
+              <a:t>default+timely</a:t>
+            </a:r>
+            <a:r>
+              <a:rPr lang="en-US" dirty="0"/>
+              <a:t> non payment of loans), and close to 66.0% of the loan applicants were not able to pay their last loan EMIs, application scrutiny needs to be made rigorously. </a:t>
+            </a:r>
+          </a:p>
+          <a:p>
+            <a:endParaRPr lang="en-US" dirty="0"/>
+          </a:p>
+          <a:p>
+            <a:r>
+              <a:rPr lang="en-US" dirty="0"/>
+              <a:t>D. Around 33.3% of borrowers are living in own house, these applications can be considered on a priority basis for fast loan disbursal. (Strong collateral availability)</a:t>
+            </a:r>
+          </a:p>
+          <a:p>
+            <a:endParaRPr lang="en-US" dirty="0"/>
+          </a:p>
+          <a:p>
+            <a:r>
+              <a:rPr lang="en-US" dirty="0"/>
+              <a:t>E. The firm is a short term financial lender, and average time frame </a:t>
+            </a:r>
+            <a:r>
+              <a:rPr lang="en-US" dirty="0" err="1"/>
+              <a:t>ofr</a:t>
+            </a:r>
+            <a:r>
+              <a:rPr lang="en-US" dirty="0"/>
+              <a:t> the loan repayment remains 3 years. </a:t>
+            </a:r>
+          </a:p>
+          <a:p>
+            <a:endParaRPr lang="en-US" dirty="0"/>
+          </a:p>
+          <a:p>
+            <a:r>
+              <a:rPr lang="en-US" dirty="0"/>
+              <a:t>F. The credit score of the applicant remained at 573.0, which is a concern for the firm. Hence, applicants with low credit score should be given more time for approval.</a:t>
+            </a:r>
+          </a:p>
+          <a:p>
+            <a:endParaRPr lang="en-US" dirty="0"/>
+          </a:p>
+          <a:p>
+            <a:r>
+              <a:rPr lang="en-US" dirty="0"/>
+              <a:t>G. A total of 1,00,000 loan applications are processed by the firm over 6 years of time, making it a very high application processor. </a:t>
+            </a:r>
+          </a:p>
+          <a:p>
+            <a:endParaRPr lang="en-US" dirty="0"/>
+          </a:p>
+          <a:p>
+            <a:r>
+              <a:rPr lang="en-US" dirty="0"/>
+              <a:t>H. As the duration of loan repayment is very low, disbursement 8.0 Billion of loans, likely to represent speedy operationability of the firm. </a:t>
+            </a:r>
+          </a:p>
+        </p:txBody>
+      </p:sp>
+    </p:spTree>
+    <p:extLst>
+      <p:ext uri="{BB962C8B-B14F-4D97-AF65-F5344CB8AC3E}">
+        <p14:creationId xmlns:p14="http://schemas.microsoft.com/office/powerpoint/2010/main" val="2107558140"/>
+      </p:ext>
+    </p:extLst>
+  </p:cSld>
+  <p:clrMapOvr>
+    <a:masterClrMapping/>
+  </p:clrMapOvr>
+</p:sld>
+</file>
+
+<file path=ppt/slides/slide3.xml><?xml version="1.0" encoding="utf-8"?>
+<p:sld xmlns:a="http://schemas.openxmlformats.org/drawingml/2006/main" xmlns:r="http://schemas.openxmlformats.org/officeDocument/2006/relationships" xmlns:p="http://schemas.openxmlformats.org/presentationml/2006/main">
+  <p:cSld>
+    <p:spTree>
+      <p:nvGrpSpPr>
+        <p:cNvPr id="1" name=""/>
+        <p:cNvGrpSpPr/>
+        <p:nvPr/>
+      </p:nvGrpSpPr>
+      <p:grpSpPr>
+        <a:xfrm>
+          <a:off x="0" y="0"/>
+          <a:ext cx="0" cy="0"/>
+          <a:chOff x="0" y="0"/>
+          <a:chExt cx="0" cy="0"/>
+        </a:xfrm>
+      </p:grpSpPr>
       <p:pic>
         <p:nvPicPr>
           <p:cNvPr id="7" name="Picture 6">
@@ -3683,7 +4078,7 @@
 </p:sld>
 </file>
 
-<file path=ppt/slides/slide3.xml><?xml version="1.0" encoding="utf-8"?>
+<file path=ppt/slides/slide4.xml><?xml version="1.0" encoding="utf-8"?>
 <p:sld xmlns:a="http://schemas.openxmlformats.org/drawingml/2006/main" xmlns:r="http://schemas.openxmlformats.org/officeDocument/2006/relationships" xmlns:p="http://schemas.openxmlformats.org/presentationml/2006/main">
   <p:cSld>
     <p:spTree>
@@ -4197,7 +4592,7 @@
 </p:sld>
 </file>
 
-<file path=ppt/slides/slide4.xml><?xml version="1.0" encoding="utf-8"?>
+<file path=ppt/slides/slide5.xml><?xml version="1.0" encoding="utf-8"?>
 <p:sld xmlns:a="http://schemas.openxmlformats.org/drawingml/2006/main" xmlns:r="http://schemas.openxmlformats.org/officeDocument/2006/relationships" xmlns:p="http://schemas.openxmlformats.org/presentationml/2006/main">
   <p:cSld>
     <p:spTree>
@@ -4268,7 +4663,7 @@
 </p:sld>
 </file>
 
-<file path=ppt/slides/slide5.xml><?xml version="1.0" encoding="utf-8"?>
+<file path=ppt/slides/slide6.xml><?xml version="1.0" encoding="utf-8"?>
 <p:sld xmlns:a="http://schemas.openxmlformats.org/drawingml/2006/main" xmlns:r="http://schemas.openxmlformats.org/officeDocument/2006/relationships" xmlns:p="http://schemas.openxmlformats.org/presentationml/2006/main">
   <p:cSld>
     <p:spTree>
@@ -4743,7 +5138,7 @@
 </p:sld>
 </file>
 
-<file path=ppt/slides/slide6.xml><?xml version="1.0" encoding="utf-8"?>
+<file path=ppt/slides/slide7.xml><?xml version="1.0" encoding="utf-8"?>
 <p:sld xmlns:a="http://schemas.openxmlformats.org/drawingml/2006/main" xmlns:r="http://schemas.openxmlformats.org/officeDocument/2006/relationships" xmlns:p="http://schemas.openxmlformats.org/presentationml/2006/main">
   <p:cSld>
     <p:spTree>
@@ -4814,267 +5209,6 @@
 </p:sld>
 </file>
 
-<file path=ppt/slides/slide7.xml><?xml version="1.0" encoding="utf-8"?>
-<p:sld xmlns:a="http://schemas.openxmlformats.org/drawingml/2006/main" xmlns:r="http://schemas.openxmlformats.org/officeDocument/2006/relationships" xmlns:p="http://schemas.openxmlformats.org/presentationml/2006/main">
-  <p:cSld>
-    <p:spTree>
-      <p:nvGrpSpPr>
-        <p:cNvPr id="1" name=""/>
-        <p:cNvGrpSpPr/>
-        <p:nvPr/>
-      </p:nvGrpSpPr>
-      <p:grpSpPr>
-        <a:xfrm>
-          <a:off x="0" y="0"/>
-          <a:ext cx="0" cy="0"/>
-          <a:chOff x="0" y="0"/>
-          <a:chExt cx="0" cy="0"/>
-        </a:xfrm>
-      </p:grpSpPr>
-      <p:sp>
-        <p:nvSpPr>
-          <p:cNvPr id="2" name="Title 1">
-            <a:extLst>
-              <a:ext uri="{FF2B5EF4-FFF2-40B4-BE49-F238E27FC236}">
-                <a16:creationId xmlns:a16="http://schemas.microsoft.com/office/drawing/2014/main" id="{86661086-FB3C-177E-A681-F7734EB8F24A}"/>
-              </a:ext>
-            </a:extLst>
-          </p:cNvPr>
-          <p:cNvSpPr>
-            <a:spLocks noGrp="1"/>
-          </p:cNvSpPr>
-          <p:nvPr>
-            <p:ph type="title"/>
-          </p:nvPr>
-        </p:nvSpPr>
-        <p:spPr>
-          <a:xfrm>
-            <a:off x="0" y="1"/>
-            <a:ext cx="12192000" cy="791852"/>
-          </a:xfrm>
-          <a:ln>
-            <a:solidFill>
-              <a:schemeClr val="tx1"/>
-            </a:solidFill>
-          </a:ln>
-        </p:spPr>
-        <p:txBody>
-          <a:bodyPr>
-            <a:normAutofit fontScale="90000"/>
-          </a:bodyPr>
-          <a:lstStyle/>
-          <a:p>
-            <a:r>
-              <a:rPr lang="en-US" sz="2800" b="1" i="0" dirty="0">
-                <a:solidFill>
-                  <a:srgbClr val="1D2125"/>
-                </a:solidFill>
-                <a:effectLst/>
-                <a:latin typeface="-apple-system"/>
-              </a:rPr>
-              <a:t>Objective (4)- Time-Series Analysis, Forecasting, and Trend </a:t>
-            </a:r>
-            <a:r>
-              <a:rPr lang="en-US" sz="2800" b="1" dirty="0">
-                <a:solidFill>
-                  <a:srgbClr val="1D2125"/>
-                </a:solidFill>
-                <a:latin typeface="-apple-system"/>
-              </a:rPr>
-              <a:t>I</a:t>
-            </a:r>
-            <a:r>
-              <a:rPr lang="en-US" sz="2800" b="1" i="0" dirty="0">
-                <a:solidFill>
-                  <a:srgbClr val="1D2125"/>
-                </a:solidFill>
-                <a:effectLst/>
-                <a:latin typeface="-apple-system"/>
-              </a:rPr>
-              <a:t>dentification for Loan </a:t>
-            </a:r>
-            <a:r>
-              <a:rPr lang="en-US" sz="2800" b="1" dirty="0">
-                <a:solidFill>
-                  <a:srgbClr val="1D2125"/>
-                </a:solidFill>
-                <a:latin typeface="-apple-system"/>
-              </a:rPr>
-              <a:t>A</a:t>
-            </a:r>
-            <a:r>
-              <a:rPr lang="en-US" sz="2800" b="1" i="0" dirty="0">
-                <a:solidFill>
-                  <a:srgbClr val="1D2125"/>
-                </a:solidFill>
-                <a:effectLst/>
-                <a:latin typeface="-apple-system"/>
-              </a:rPr>
-              <a:t>pplications across the Loan </a:t>
-            </a:r>
-            <a:r>
-              <a:rPr lang="en-US" sz="2800" b="1" dirty="0">
-                <a:solidFill>
-                  <a:srgbClr val="1D2125"/>
-                </a:solidFill>
-                <a:latin typeface="-apple-system"/>
-              </a:rPr>
-              <a:t>T</a:t>
-            </a:r>
-            <a:r>
-              <a:rPr lang="en-US" sz="2800" b="1" i="0" dirty="0">
-                <a:solidFill>
-                  <a:srgbClr val="1D2125"/>
-                </a:solidFill>
-                <a:effectLst/>
-                <a:latin typeface="-apple-system"/>
-              </a:rPr>
-              <a:t>ypes</a:t>
-            </a:r>
-            <a:endParaRPr lang="en-IN" sz="2800" dirty="0"/>
-          </a:p>
-        </p:txBody>
-      </p:sp>
-      <p:sp>
-        <p:nvSpPr>
-          <p:cNvPr id="3" name="TextBox 2">
-            <a:extLst>
-              <a:ext uri="{FF2B5EF4-FFF2-40B4-BE49-F238E27FC236}">
-                <a16:creationId xmlns:a16="http://schemas.microsoft.com/office/drawing/2014/main" id="{3C961A63-7B5D-8784-8DAE-0D985CEDCA27}"/>
-              </a:ext>
-            </a:extLst>
-          </p:cNvPr>
-          <p:cNvSpPr txBox="1"/>
-          <p:nvPr/>
-        </p:nvSpPr>
-        <p:spPr>
-          <a:xfrm>
-            <a:off x="527901" y="1263192"/>
-            <a:ext cx="10463752" cy="4801314"/>
-          </a:xfrm>
-          <a:prstGeom prst="rect">
-            <a:avLst/>
-          </a:prstGeom>
-          <a:noFill/>
-          <a:ln>
-            <a:solidFill>
-              <a:schemeClr val="tx1"/>
-            </a:solidFill>
-          </a:ln>
-        </p:spPr>
-        <p:txBody>
-          <a:bodyPr wrap="square" rtlCol="0">
-            <a:spAutoFit/>
-          </a:bodyPr>
-          <a:lstStyle/>
-          <a:p>
-            <a:pPr marL="342900" indent="-342900">
-              <a:buAutoNum type="alphaUcPeriod"/>
-            </a:pPr>
-            <a:r>
-              <a:rPr lang="en-US" dirty="0" err="1"/>
-              <a:t>Yearly_Loan_Approval_Trend</a:t>
-            </a:r>
-            <a:r>
-              <a:rPr lang="en-US" dirty="0"/>
-              <a:t>- </a:t>
-            </a:r>
-          </a:p>
-          <a:p>
-            <a:r>
-              <a:rPr lang="en-US" dirty="0"/>
-              <a:t>There is a consistent proportion of around (34::33::33-Loan_pending::</a:t>
-            </a:r>
-            <a:r>
-              <a:rPr lang="en-US" dirty="0" err="1"/>
-              <a:t>Loan_approval</a:t>
-            </a:r>
-            <a:r>
-              <a:rPr lang="en-US" dirty="0"/>
-              <a:t>::Loan_rejection) over the timeline. Hence, the loan approval rate is very high in terms of total applications received.  </a:t>
-            </a:r>
-          </a:p>
-          <a:p>
-            <a:endParaRPr lang="en-US" dirty="0"/>
-          </a:p>
-          <a:p>
-            <a:r>
-              <a:rPr lang="en-US" dirty="0"/>
-              <a:t>B. The loan application, loan approval, and loan pending follows the sinusoidal pattern, thereby the firm is likely to follow the same pattern over the next 5 years. </a:t>
-            </a:r>
-          </a:p>
-          <a:p>
-            <a:endParaRPr lang="en-US" dirty="0"/>
-          </a:p>
-          <a:p>
-            <a:r>
-              <a:rPr lang="en-US" dirty="0"/>
-              <a:t>C. But for the loan rejections, the pattern is expected follow a zero gradient line graph/stagnancy.</a:t>
-            </a:r>
-          </a:p>
-          <a:p>
-            <a:endParaRPr lang="en-US" dirty="0"/>
-          </a:p>
-          <a:p>
-            <a:r>
-              <a:rPr lang="en-US" dirty="0"/>
-              <a:t>D. The financial firm has been giving around 33.0% approval to the loans each year, out of which only 33.8% of the borrowers are consistent in terms of the monthly installment payment. </a:t>
-            </a:r>
-          </a:p>
-          <a:p>
-            <a:endParaRPr lang="en-US" dirty="0"/>
-          </a:p>
-          <a:p>
-            <a:r>
-              <a:rPr lang="en-US" dirty="0"/>
-              <a:t>E. Additionally, for the loan pending and rejection, similar observations can be taken out. Hence, there is a need to inculcate </a:t>
-            </a:r>
-            <a:r>
-              <a:rPr lang="en-US" dirty="0" err="1"/>
-              <a:t>SoPs</a:t>
-            </a:r>
-            <a:r>
-              <a:rPr lang="en-US" dirty="0"/>
-              <a:t> in the loan approval process.</a:t>
-            </a:r>
-          </a:p>
-          <a:p>
-            <a:endParaRPr lang="en-US" dirty="0"/>
-          </a:p>
-          <a:p>
-            <a:r>
-              <a:rPr lang="en-US" dirty="0"/>
-              <a:t>F. </a:t>
-            </a:r>
-            <a:r>
-              <a:rPr lang="en-US" sz="1800" dirty="0"/>
-              <a:t>I. In the Fourth quarter of each year, loan applications received by firm </a:t>
-            </a:r>
-            <a:r>
-              <a:rPr lang="en-US" dirty="0"/>
-              <a:t>increases thereby loan approvals </a:t>
-            </a:r>
-            <a:r>
-              <a:rPr lang="en-US" sz="1800" dirty="0"/>
-              <a:t>increases rapidly as compare to other quarters.</a:t>
-            </a:r>
-            <a:endParaRPr lang="en-IN" sz="1800" dirty="0"/>
-          </a:p>
-        </p:txBody>
-      </p:sp>
-    </p:spTree>
-    <p:extLst>
-      <p:ext uri="{BB962C8B-B14F-4D97-AF65-F5344CB8AC3E}">
-        <p14:creationId xmlns:p14="http://schemas.microsoft.com/office/powerpoint/2010/main" val="4204482123"/>
-      </p:ext>
-    </p:extLst>
-  </p:cSld>
-  <p:clrMapOvr>
-    <a:masterClrMapping/>
-  </p:clrMapOvr>
-</p:sld>
-</file>
-
 <file path=ppt/slides/slide8.xml><?xml version="1.0" encoding="utf-8"?>
 <p:sld xmlns:a="http://schemas.openxmlformats.org/drawingml/2006/main" xmlns:r="http://schemas.openxmlformats.org/officeDocument/2006/relationships" xmlns:p="http://schemas.openxmlformats.org/presentationml/2006/main">
   <p:cSld>
@@ -5092,51 +5226,241 @@
           <a:chExt cx="0" cy="0"/>
         </a:xfrm>
       </p:grpSpPr>
-      <p:pic>
-        <p:nvPicPr>
-          <p:cNvPr id="4" name="Picture 3">
-            <a:extLst>
-              <a:ext uri="{FF2B5EF4-FFF2-40B4-BE49-F238E27FC236}">
-                <a16:creationId xmlns:a16="http://schemas.microsoft.com/office/drawing/2014/main" id="{ADA011A2-E6B7-ACD4-4B93-39A38FAEE564}"/>
-              </a:ext>
-            </a:extLst>
-          </p:cNvPr>
-          <p:cNvPicPr>
-            <a:picLocks noChangeAspect="1"/>
-          </p:cNvPicPr>
-          <p:nvPr/>
-        </p:nvPicPr>
-        <p:blipFill>
-          <a:blip r:embed="rId2">
-            <a:extLst>
-              <a:ext uri="{28A0092B-C50C-407E-A947-70E740481C1C}">
-                <a14:useLocalDpi xmlns:a14="http://schemas.microsoft.com/office/drawing/2010/main" val="0"/>
-              </a:ext>
-            </a:extLst>
-          </a:blip>
-          <a:stretch>
-            <a:fillRect/>
-          </a:stretch>
-        </p:blipFill>
+      <p:sp>
+        <p:nvSpPr>
+          <p:cNvPr id="2" name="Title 1">
+            <a:extLst>
+              <a:ext uri="{FF2B5EF4-FFF2-40B4-BE49-F238E27FC236}">
+                <a16:creationId xmlns:a16="http://schemas.microsoft.com/office/drawing/2014/main" id="{86661086-FB3C-177E-A681-F7734EB8F24A}"/>
+              </a:ext>
+            </a:extLst>
+          </p:cNvPr>
+          <p:cNvSpPr>
+            <a:spLocks noGrp="1"/>
+          </p:cNvSpPr>
+          <p:nvPr>
+            <p:ph type="title"/>
+          </p:nvPr>
+        </p:nvSpPr>
         <p:spPr>
           <a:xfrm>
-            <a:off x="0" y="-43611"/>
-            <a:ext cx="12192000" cy="6945222"/>
+            <a:off x="0" y="1"/>
+            <a:ext cx="12192000" cy="791852"/>
           </a:xfrm>
-          <a:prstGeom prst="rect">
-            <a:avLst/>
-          </a:prstGeom>
           <a:ln>
             <a:solidFill>
               <a:schemeClr val="tx1"/>
             </a:solidFill>
           </a:ln>
         </p:spPr>
-      </p:pic>
+        <p:txBody>
+          <a:bodyPr>
+            <a:normAutofit fontScale="90000"/>
+          </a:bodyPr>
+          <a:lstStyle/>
+          <a:p>
+            <a:r>
+              <a:rPr lang="en-US" sz="2800" b="1" i="0" dirty="0">
+                <a:solidFill>
+                  <a:srgbClr val="1D2125"/>
+                </a:solidFill>
+                <a:effectLst/>
+                <a:latin typeface="-apple-system"/>
+              </a:rPr>
+              <a:t>Objective (4)- Time-Series Analysis, Forecasting, and Trend </a:t>
+            </a:r>
+            <a:r>
+              <a:rPr lang="en-US" sz="2800" b="1" dirty="0">
+                <a:solidFill>
+                  <a:srgbClr val="1D2125"/>
+                </a:solidFill>
+                <a:latin typeface="-apple-system"/>
+              </a:rPr>
+              <a:t>I</a:t>
+            </a:r>
+            <a:r>
+              <a:rPr lang="en-US" sz="2800" b="1" i="0" dirty="0">
+                <a:solidFill>
+                  <a:srgbClr val="1D2125"/>
+                </a:solidFill>
+                <a:effectLst/>
+                <a:latin typeface="-apple-system"/>
+              </a:rPr>
+              <a:t>dentification for Loan </a:t>
+            </a:r>
+            <a:r>
+              <a:rPr lang="en-US" sz="2800" b="1" dirty="0">
+                <a:solidFill>
+                  <a:srgbClr val="1D2125"/>
+                </a:solidFill>
+                <a:latin typeface="-apple-system"/>
+              </a:rPr>
+              <a:t>A</a:t>
+            </a:r>
+            <a:r>
+              <a:rPr lang="en-US" sz="2800" b="1" i="0" dirty="0">
+                <a:solidFill>
+                  <a:srgbClr val="1D2125"/>
+                </a:solidFill>
+                <a:effectLst/>
+                <a:latin typeface="-apple-system"/>
+              </a:rPr>
+              <a:t>pplications across the Loan </a:t>
+            </a:r>
+            <a:r>
+              <a:rPr lang="en-US" sz="2800" b="1" dirty="0">
+                <a:solidFill>
+                  <a:srgbClr val="1D2125"/>
+                </a:solidFill>
+                <a:latin typeface="-apple-system"/>
+              </a:rPr>
+              <a:t>T</a:t>
+            </a:r>
+            <a:r>
+              <a:rPr lang="en-US" sz="2800" b="1" i="0" dirty="0">
+                <a:solidFill>
+                  <a:srgbClr val="1D2125"/>
+                </a:solidFill>
+                <a:effectLst/>
+                <a:latin typeface="-apple-system"/>
+              </a:rPr>
+              <a:t>ypes</a:t>
+            </a:r>
+            <a:endParaRPr lang="en-IN" sz="2800" dirty="0"/>
+          </a:p>
+        </p:txBody>
+      </p:sp>
+      <p:sp>
+        <p:nvSpPr>
+          <p:cNvPr id="3" name="TextBox 2">
+            <a:extLst>
+              <a:ext uri="{FF2B5EF4-FFF2-40B4-BE49-F238E27FC236}">
+                <a16:creationId xmlns:a16="http://schemas.microsoft.com/office/drawing/2014/main" id="{3C961A63-7B5D-8784-8DAE-0D985CEDCA27}"/>
+              </a:ext>
+            </a:extLst>
+          </p:cNvPr>
+          <p:cNvSpPr txBox="1"/>
+          <p:nvPr/>
+        </p:nvSpPr>
+        <p:spPr>
+          <a:xfrm>
+            <a:off x="527901" y="1263192"/>
+            <a:ext cx="10463752" cy="4801314"/>
+          </a:xfrm>
+          <a:prstGeom prst="rect">
+            <a:avLst/>
+          </a:prstGeom>
+          <a:noFill/>
+          <a:ln>
+            <a:solidFill>
+              <a:schemeClr val="tx1"/>
+            </a:solidFill>
+          </a:ln>
+        </p:spPr>
+        <p:txBody>
+          <a:bodyPr wrap="square" rtlCol="0">
+            <a:spAutoFit/>
+          </a:bodyPr>
+          <a:lstStyle/>
+          <a:p>
+            <a:pPr marL="342900" indent="-342900">
+              <a:buAutoNum type="alphaUcPeriod"/>
+            </a:pPr>
+            <a:r>
+              <a:rPr lang="en-US" dirty="0" err="1"/>
+              <a:t>Yearly_Loan_Approval_Trend</a:t>
+            </a:r>
+            <a:r>
+              <a:rPr lang="en-US" dirty="0"/>
+              <a:t>- </a:t>
+            </a:r>
+          </a:p>
+          <a:p>
+            <a:r>
+              <a:rPr lang="en-US" dirty="0"/>
+              <a:t>There is a consistent proportion of around (34::33::33-Loan_pending::</a:t>
+            </a:r>
+            <a:r>
+              <a:rPr lang="en-US" dirty="0" err="1"/>
+              <a:t>Loan_approval</a:t>
+            </a:r>
+            <a:r>
+              <a:rPr lang="en-US" dirty="0"/>
+              <a:t>::Loan_rejection) over the timeline. Hence, the loan approval rate is very high in terms of total applications received.  </a:t>
+            </a:r>
+          </a:p>
+          <a:p>
+            <a:endParaRPr lang="en-US" dirty="0"/>
+          </a:p>
+          <a:p>
+            <a:r>
+              <a:rPr lang="en-US" dirty="0"/>
+              <a:t>B. The loan application, loan approval, and loan pending follows the sinusoidal pattern, thereby the firm is likely to follow the same pattern over the next 5 years. </a:t>
+            </a:r>
+          </a:p>
+          <a:p>
+            <a:endParaRPr lang="en-US" dirty="0"/>
+          </a:p>
+          <a:p>
+            <a:r>
+              <a:rPr lang="en-US" dirty="0"/>
+              <a:t>C. But for the loan rejections, the pattern is expected follow a zero gradient line graph/stagnancy.</a:t>
+            </a:r>
+          </a:p>
+          <a:p>
+            <a:endParaRPr lang="en-US" dirty="0"/>
+          </a:p>
+          <a:p>
+            <a:r>
+              <a:rPr lang="en-US" dirty="0"/>
+              <a:t>D. The financial firm has been giving around 33.0% approval to the loans each year, out of which only 33.8% of the borrowers are consistent in terms of the monthly installment payment. </a:t>
+            </a:r>
+          </a:p>
+          <a:p>
+            <a:endParaRPr lang="en-US" dirty="0"/>
+          </a:p>
+          <a:p>
+            <a:r>
+              <a:rPr lang="en-US" dirty="0"/>
+              <a:t>E. Additionally, for the loan pending and rejection, similar observations can be taken out. Hence, there is a need to inculcate </a:t>
+            </a:r>
+            <a:r>
+              <a:rPr lang="en-US" dirty="0" err="1"/>
+              <a:t>SoPs</a:t>
+            </a:r>
+            <a:r>
+              <a:rPr lang="en-US" dirty="0"/>
+              <a:t> in the loan approval process.</a:t>
+            </a:r>
+          </a:p>
+          <a:p>
+            <a:endParaRPr lang="en-US" dirty="0"/>
+          </a:p>
+          <a:p>
+            <a:r>
+              <a:rPr lang="en-US" dirty="0"/>
+              <a:t>F. </a:t>
+            </a:r>
+            <a:r>
+              <a:rPr lang="en-US" sz="1800" dirty="0"/>
+              <a:t>I. In the Fourth quarter of each year, loan applications received by firm </a:t>
+            </a:r>
+            <a:r>
+              <a:rPr lang="en-US" dirty="0"/>
+              <a:t>increases thereby loan approvals </a:t>
+            </a:r>
+            <a:r>
+              <a:rPr lang="en-US" sz="1800" dirty="0"/>
+              <a:t>increases rapidly as compare to other quarters.</a:t>
+            </a:r>
+            <a:endParaRPr lang="en-IN" sz="1800" dirty="0"/>
+          </a:p>
+        </p:txBody>
+      </p:sp>
     </p:spTree>
     <p:extLst>
       <p:ext uri="{BB962C8B-B14F-4D97-AF65-F5344CB8AC3E}">
-        <p14:creationId xmlns:p14="http://schemas.microsoft.com/office/powerpoint/2010/main" val="3156091319"/>
+        <p14:creationId xmlns:p14="http://schemas.microsoft.com/office/powerpoint/2010/main" val="4204482123"/>
       </p:ext>
     </p:extLst>
   </p:cSld>
@@ -5163,288 +5487,51 @@
           <a:chExt cx="0" cy="0"/>
         </a:xfrm>
       </p:grpSpPr>
-      <p:sp>
-        <p:nvSpPr>
-          <p:cNvPr id="2" name="Title 1">
-            <a:extLst>
-              <a:ext uri="{FF2B5EF4-FFF2-40B4-BE49-F238E27FC236}">
-                <a16:creationId xmlns:a16="http://schemas.microsoft.com/office/drawing/2014/main" id="{99C6D8C6-EFC2-7CBB-7F2D-D54474F09FE6}"/>
-              </a:ext>
-            </a:extLst>
-          </p:cNvPr>
-          <p:cNvSpPr>
-            <a:spLocks noGrp="1"/>
-          </p:cNvSpPr>
-          <p:nvPr>
-            <p:ph type="title"/>
-          </p:nvPr>
-        </p:nvSpPr>
+      <p:pic>
+        <p:nvPicPr>
+          <p:cNvPr id="4" name="Picture 3">
+            <a:extLst>
+              <a:ext uri="{FF2B5EF4-FFF2-40B4-BE49-F238E27FC236}">
+                <a16:creationId xmlns:a16="http://schemas.microsoft.com/office/drawing/2014/main" id="{ADA011A2-E6B7-ACD4-4B93-39A38FAEE564}"/>
+              </a:ext>
+            </a:extLst>
+          </p:cNvPr>
+          <p:cNvPicPr>
+            <a:picLocks noChangeAspect="1"/>
+          </p:cNvPicPr>
+          <p:nvPr/>
+        </p:nvPicPr>
+        <p:blipFill>
+          <a:blip r:embed="rId2">
+            <a:extLst>
+              <a:ext uri="{28A0092B-C50C-407E-A947-70E740481C1C}">
+                <a14:useLocalDpi xmlns:a14="http://schemas.microsoft.com/office/drawing/2010/main" val="0"/>
+              </a:ext>
+            </a:extLst>
+          </a:blip>
+          <a:stretch>
+            <a:fillRect/>
+          </a:stretch>
+        </p:blipFill>
         <p:spPr>
           <a:xfrm>
-            <a:off x="0" y="125565"/>
-            <a:ext cx="12192000" cy="650448"/>
+            <a:off x="0" y="-43611"/>
+            <a:ext cx="12192000" cy="6945222"/>
           </a:xfrm>
+          <a:prstGeom prst="rect">
+            <a:avLst/>
+          </a:prstGeom>
           <a:ln>
             <a:solidFill>
               <a:schemeClr val="tx1"/>
             </a:solidFill>
           </a:ln>
         </p:spPr>
-        <p:txBody>
-          <a:bodyPr>
-            <a:normAutofit/>
-          </a:bodyPr>
-          <a:lstStyle/>
-          <a:p>
-            <a:r>
-              <a:rPr lang="en-US" sz="2800" b="1" i="0" dirty="0">
-                <a:solidFill>
-                  <a:srgbClr val="1D2125"/>
-                </a:solidFill>
-                <a:effectLst/>
-                <a:latin typeface="-apple-system"/>
-              </a:rPr>
-              <a:t>Objective (5)-Understanding the NPAs and Fraud Detection</a:t>
-            </a:r>
-            <a:endParaRPr lang="en-IN" sz="2800" dirty="0"/>
-          </a:p>
-        </p:txBody>
-      </p:sp>
-      <p:sp>
-        <p:nvSpPr>
-          <p:cNvPr id="3" name="TextBox 2">
-            <a:extLst>
-              <a:ext uri="{FF2B5EF4-FFF2-40B4-BE49-F238E27FC236}">
-                <a16:creationId xmlns:a16="http://schemas.microsoft.com/office/drawing/2014/main" id="{002E2AA9-538E-1CCF-5703-DD4B60E65FA4}"/>
-              </a:ext>
-            </a:extLst>
-          </p:cNvPr>
-          <p:cNvSpPr txBox="1"/>
-          <p:nvPr/>
-        </p:nvSpPr>
-        <p:spPr>
-          <a:xfrm>
-            <a:off x="480768" y="892647"/>
-            <a:ext cx="11434713" cy="5940088"/>
-          </a:xfrm>
-          <a:prstGeom prst="rect">
-            <a:avLst/>
-          </a:prstGeom>
-          <a:noFill/>
-          <a:ln>
-            <a:solidFill>
-              <a:schemeClr val="tx1"/>
-            </a:solidFill>
-          </a:ln>
-        </p:spPr>
-        <p:txBody>
-          <a:bodyPr wrap="square" rtlCol="0">
-            <a:spAutoFit/>
-          </a:bodyPr>
-          <a:lstStyle/>
-          <a:p>
-            <a:pPr marL="342900" indent="-342900">
-              <a:buAutoNum type="alphaUcPeriod"/>
-            </a:pPr>
-            <a:r>
-              <a:rPr lang="en-US" sz="2000" dirty="0"/>
-              <a:t>On an average the </a:t>
-            </a:r>
-            <a:r>
-              <a:rPr lang="en-US" sz="2000" b="1" dirty="0"/>
-              <a:t>firm approved 4 loans to a single borrower</a:t>
-            </a:r>
-            <a:r>
-              <a:rPr lang="en-US" sz="2000" dirty="0"/>
-              <a:t>, which is likely to create a high NPA situation over the long term.</a:t>
-            </a:r>
-          </a:p>
-          <a:p>
-            <a:pPr marL="342900" indent="-342900">
-              <a:buAutoNum type="alphaUcPeriod"/>
-            </a:pPr>
-            <a:r>
-              <a:rPr lang="en-US" sz="2000" dirty="0"/>
-              <a:t>There are a total of </a:t>
-            </a:r>
-            <a:r>
-              <a:rPr lang="en-US" sz="2000" b="1" dirty="0"/>
-              <a:t>6,729 borrowers </a:t>
-            </a:r>
-            <a:r>
-              <a:rPr lang="en-US" sz="2000" dirty="0"/>
-              <a:t>who received approximately </a:t>
-            </a:r>
-            <a:r>
-              <a:rPr lang="en-US" sz="2000" b="1" dirty="0"/>
-              <a:t>2 loan </a:t>
-            </a:r>
-            <a:r>
-              <a:rPr lang="en-US" sz="2000" dirty="0"/>
-              <a:t>approvals with </a:t>
-            </a:r>
-            <a:r>
-              <a:rPr lang="en-US" sz="2000" b="1" dirty="0" err="1"/>
-              <a:t>credit_score</a:t>
-            </a:r>
-            <a:r>
-              <a:rPr lang="en-US" sz="2000" b="1" dirty="0"/>
-              <a:t> </a:t>
-            </a:r>
-            <a:r>
-              <a:rPr lang="en-US" sz="2000" dirty="0"/>
-              <a:t>classified </a:t>
-            </a:r>
-            <a:r>
-              <a:rPr lang="en-US" sz="2000" b="1" dirty="0"/>
-              <a:t>as bad (&lt;400) </a:t>
-            </a:r>
-            <a:r>
-              <a:rPr lang="en-US" sz="2000" dirty="0"/>
-              <a:t>and </a:t>
-            </a:r>
-            <a:r>
-              <a:rPr lang="en-US" sz="2000" b="1" dirty="0"/>
-              <a:t>worst(&lt;200), </a:t>
-            </a:r>
-            <a:r>
-              <a:rPr lang="en-US" sz="2000" dirty="0"/>
-              <a:t>thereby creating a high risk scenario.</a:t>
-            </a:r>
-          </a:p>
-          <a:p>
-            <a:pPr marL="342900" indent="-342900">
-              <a:buAutoNum type="alphaUcPeriod"/>
-            </a:pPr>
-            <a:r>
-              <a:rPr lang="en-US" sz="2000" dirty="0"/>
-              <a:t>Furthermore, out of the above 6,729 borrowers </a:t>
-            </a:r>
-            <a:r>
-              <a:rPr lang="en-US" sz="2000" b="1" dirty="0"/>
-              <a:t>4,471 borrowers are considered as defaulters</a:t>
-            </a:r>
-            <a:r>
-              <a:rPr lang="en-US" sz="2000" dirty="0"/>
-              <a:t>, that have either defaulted the previous loans and never settled the loan amount. The </a:t>
-            </a:r>
-            <a:r>
-              <a:rPr lang="en-US" sz="2000" b="1" dirty="0"/>
-              <a:t>firm gave around 6,099 loans to these 4,471 borrows </a:t>
-            </a:r>
-            <a:r>
-              <a:rPr lang="en-US" sz="2000" dirty="0"/>
-              <a:t>making it very high risk business. </a:t>
-            </a:r>
-          </a:p>
-          <a:p>
-            <a:pPr marL="342900" indent="-342900">
-              <a:buAutoNum type="alphaUcPeriod"/>
-            </a:pPr>
-            <a:r>
-              <a:rPr lang="en-US" sz="2000" dirty="0"/>
-              <a:t>In addition to that, this high risk 4,471 borrows are distributed uniformly across the age categories and loan types. </a:t>
-            </a:r>
-          </a:p>
-          <a:p>
-            <a:pPr marL="342900" indent="-342900">
-              <a:buAutoNum type="alphaUcPeriod"/>
-            </a:pPr>
-            <a:r>
-              <a:rPr lang="en-US" sz="2000" dirty="0"/>
-              <a:t>The </a:t>
-            </a:r>
-            <a:r>
-              <a:rPr lang="en-US" sz="2000" b="1" dirty="0"/>
-              <a:t>average monthly income </a:t>
-            </a:r>
-            <a:r>
-              <a:rPr lang="en-US" sz="2000" dirty="0"/>
-              <a:t>of these 4,471 borrowers remained as </a:t>
-            </a:r>
-            <a:r>
-              <a:rPr lang="en-US" sz="2000" b="1" dirty="0"/>
-              <a:t>9,0150.0 Rs</a:t>
-            </a:r>
-            <a:r>
-              <a:rPr lang="en-US" sz="2000" dirty="0"/>
-              <a:t> and the </a:t>
-            </a:r>
-            <a:r>
-              <a:rPr lang="en-US" sz="2000" b="1" dirty="0"/>
-              <a:t>monthly installment </a:t>
-            </a:r>
-            <a:r>
-              <a:rPr lang="en-US" sz="2000" dirty="0"/>
-              <a:t>they require to pay for all the loans combined remains at </a:t>
-            </a:r>
-            <a:r>
-              <a:rPr lang="en-US" sz="2000" b="1" dirty="0"/>
-              <a:t>9,120.0 Rs</a:t>
-            </a:r>
-            <a:r>
-              <a:rPr lang="en-US" sz="2000" dirty="0"/>
-              <a:t> Due to which, the </a:t>
-            </a:r>
-            <a:r>
-              <a:rPr lang="en-US" sz="2000" b="1" dirty="0"/>
-              <a:t>monthly outstanding loan installment amount remained at -664.8 Rs. on an average. </a:t>
-            </a:r>
-            <a:r>
-              <a:rPr lang="en-US" sz="2000" dirty="0"/>
-              <a:t>This indicates a likeliness of fraud in the firm. </a:t>
-            </a:r>
-          </a:p>
-          <a:p>
-            <a:pPr marL="342900" indent="-342900">
-              <a:buAutoNum type="alphaUcPeriod"/>
-            </a:pPr>
-            <a:r>
-              <a:rPr lang="en-US" sz="2000" dirty="0"/>
-              <a:t>With such scenario, the chance of these 4,471 borrowers with 6,099 loan account is likely to become NPAs.</a:t>
-            </a:r>
-          </a:p>
-          <a:p>
-            <a:pPr marL="342900" indent="-342900">
-              <a:buAutoNum type="alphaUcPeriod"/>
-            </a:pPr>
-            <a:r>
-              <a:rPr lang="en-US" sz="2000" dirty="0"/>
-              <a:t>Finally, </a:t>
-            </a:r>
-            <a:r>
-              <a:rPr lang="en-US" sz="2000" b="1" dirty="0"/>
-              <a:t>out of the given 6,099 loans a total of 4,082 loan accounts are expected to become NPAs </a:t>
-            </a:r>
-            <a:r>
-              <a:rPr lang="en-US" sz="2000" dirty="0"/>
-              <a:t>and 3,295 borrowers holding these loan accounts have not paid monthly installment.</a:t>
-            </a:r>
-          </a:p>
-          <a:p>
-            <a:pPr marL="342900" indent="-342900">
-              <a:buAutoNum type="alphaUcPeriod"/>
-            </a:pPr>
-            <a:r>
-              <a:rPr lang="en-US" sz="2000" dirty="0"/>
-              <a:t>As such high discrepancy at loan approval stage is not acceptable in financial sector, there is a </a:t>
-            </a:r>
-            <a:r>
-              <a:rPr lang="en-US" sz="2000" b="1" dirty="0"/>
-              <a:t>need to scrutinize the loan approval process of 3,295 borrowers </a:t>
-            </a:r>
-            <a:r>
-              <a:rPr lang="en-US" sz="2000" dirty="0"/>
-              <a:t>to understand the extent of fraud.</a:t>
-            </a:r>
-            <a:endParaRPr lang="en-IN" sz="2000" dirty="0"/>
-          </a:p>
-        </p:txBody>
-      </p:sp>
+      </p:pic>
     </p:spTree>
     <p:extLst>
       <p:ext uri="{BB962C8B-B14F-4D97-AF65-F5344CB8AC3E}">
-        <p14:creationId xmlns:p14="http://schemas.microsoft.com/office/powerpoint/2010/main" val="3044107206"/>
+        <p14:creationId xmlns:p14="http://schemas.microsoft.com/office/powerpoint/2010/main" val="3156091319"/>
       </p:ext>
     </p:extLst>
   </p:cSld>
